--- a/16.pptx
+++ b/16.pptx
@@ -207,7 +207,7 @@
           <a:p>
             <a:fld id="{AA93C23F-80D8-41F7-A602-5BAA4D96D6F7}" type="datetimeFigureOut">
               <a:rPr lang="ko-KR" altLang="en-US" smtClean="0"/>
-              <a:t>2019-12-22</a:t>
+              <a:t>2025-03-15</a:t>
             </a:fld>
             <a:endParaRPr lang="ko-KR" altLang="en-US"/>
           </a:p>
@@ -866,7 +866,7 @@
           <a:p>
             <a:fld id="{AA93C23F-80D8-41F7-A602-5BAA4D96D6F7}" type="datetimeFigureOut">
               <a:rPr lang="ko-KR" altLang="en-US" smtClean="0"/>
-              <a:t>2019-12-22</a:t>
+              <a:t>2025-03-15</a:t>
             </a:fld>
             <a:endParaRPr lang="ko-KR" altLang="en-US"/>
           </a:p>
@@ -1034,7 +1034,7 @@
           <a:p>
             <a:fld id="{AA93C23F-80D8-41F7-A602-5BAA4D96D6F7}" type="datetimeFigureOut">
               <a:rPr lang="ko-KR" altLang="en-US" smtClean="0"/>
-              <a:t>2019-12-22</a:t>
+              <a:t>2025-03-15</a:t>
             </a:fld>
             <a:endParaRPr lang="ko-KR" altLang="en-US"/>
           </a:p>
@@ -1212,7 +1212,7 @@
           <a:p>
             <a:fld id="{AA93C23F-80D8-41F7-A602-5BAA4D96D6F7}" type="datetimeFigureOut">
               <a:rPr lang="ko-KR" altLang="en-US" smtClean="0"/>
-              <a:t>2019-12-22</a:t>
+              <a:t>2025-03-15</a:t>
             </a:fld>
             <a:endParaRPr lang="ko-KR" altLang="en-US"/>
           </a:p>
@@ -1396,7 +1396,7 @@
           <a:p>
             <a:fld id="{AA93C23F-80D8-41F7-A602-5BAA4D96D6F7}" type="datetimeFigureOut">
               <a:rPr lang="ko-KR" altLang="en-US" smtClean="0"/>
-              <a:t>2019-12-22</a:t>
+              <a:t>2025-03-15</a:t>
             </a:fld>
             <a:endParaRPr lang="ko-KR" altLang="en-US"/>
           </a:p>
@@ -1641,7 +1641,7 @@
           <a:p>
             <a:fld id="{AA93C23F-80D8-41F7-A602-5BAA4D96D6F7}" type="datetimeFigureOut">
               <a:rPr lang="ko-KR" altLang="en-US" smtClean="0"/>
-              <a:t>2019-12-22</a:t>
+              <a:t>2025-03-15</a:t>
             </a:fld>
             <a:endParaRPr lang="ko-KR" altLang="en-US"/>
           </a:p>
@@ -1870,7 +1870,7 @@
           <a:p>
             <a:fld id="{AA93C23F-80D8-41F7-A602-5BAA4D96D6F7}" type="datetimeFigureOut">
               <a:rPr lang="ko-KR" altLang="en-US" smtClean="0"/>
-              <a:t>2019-12-22</a:t>
+              <a:t>2025-03-15</a:t>
             </a:fld>
             <a:endParaRPr lang="ko-KR" altLang="en-US"/>
           </a:p>
@@ -2234,7 +2234,7 @@
           <a:p>
             <a:fld id="{AA93C23F-80D8-41F7-A602-5BAA4D96D6F7}" type="datetimeFigureOut">
               <a:rPr lang="ko-KR" altLang="en-US" smtClean="0"/>
-              <a:t>2019-12-22</a:t>
+              <a:t>2025-03-15</a:t>
             </a:fld>
             <a:endParaRPr lang="ko-KR" altLang="en-US"/>
           </a:p>
@@ -2351,7 +2351,7 @@
           <a:p>
             <a:fld id="{AA93C23F-80D8-41F7-A602-5BAA4D96D6F7}" type="datetimeFigureOut">
               <a:rPr lang="ko-KR" altLang="en-US" smtClean="0"/>
-              <a:t>2019-12-22</a:t>
+              <a:t>2025-03-15</a:t>
             </a:fld>
             <a:endParaRPr lang="ko-KR" altLang="en-US"/>
           </a:p>
@@ -2625,7 +2625,7 @@
                 <a:tabLst/>
                 <a:defRPr/>
               </a:pPr>
-              <a:t>2019-12-22</a:t>
+              <a:t>2025-03-15</a:t>
             </a:fld>
             <a:endParaRPr kumimoji="0" lang="ko-KR" altLang="en-US" sz="1200" b="0" i="0" u="none" strike="noStrike" kern="1200" cap="none" spc="0" normalizeH="0" baseline="0" noProof="0">
               <a:ln>
@@ -2843,7 +2843,7 @@
           <a:p>
             <a:fld id="{AA93C23F-80D8-41F7-A602-5BAA4D96D6F7}" type="datetimeFigureOut">
               <a:rPr lang="ko-KR" altLang="en-US" smtClean="0"/>
-              <a:t>2019-12-22</a:t>
+              <a:t>2025-03-15</a:t>
             </a:fld>
             <a:endParaRPr lang="ko-KR" altLang="en-US"/>
           </a:p>
@@ -3118,7 +3118,7 @@
           <a:p>
             <a:fld id="{AA93C23F-80D8-41F7-A602-5BAA4D96D6F7}" type="datetimeFigureOut">
               <a:rPr lang="ko-KR" altLang="en-US" smtClean="0"/>
-              <a:t>2019-12-22</a:t>
+              <a:t>2025-03-15</a:t>
             </a:fld>
             <a:endParaRPr lang="ko-KR" altLang="en-US"/>
           </a:p>
@@ -3329,7 +3329,7 @@
           <a:p>
             <a:fld id="{AA93C23F-80D8-41F7-A602-5BAA4D96D6F7}" type="datetimeFigureOut">
               <a:rPr lang="ko-KR" altLang="en-US" smtClean="0"/>
-              <a:t>2019-12-22</a:t>
+              <a:t>2025-03-15</a:t>
             </a:fld>
             <a:endParaRPr lang="ko-KR" altLang="en-US"/>
           </a:p>
@@ -4240,6 +4240,139 @@
           </a:prstGeom>
         </p:spPr>
       </p:pic>
+      <p:sp>
+        <p:nvSpPr>
+          <p:cNvPr id="7" name="TextBox 12">
+            <a:extLst>
+              <a:ext uri="{FF2B5EF4-FFF2-40B4-BE49-F238E27FC236}">
+                <a16:creationId xmlns:a16="http://schemas.microsoft.com/office/drawing/2014/main" id="{22351697-2F17-4344-B13D-C66E4657ABCD}"/>
+              </a:ext>
+            </a:extLst>
+          </p:cNvPr>
+          <p:cNvSpPr txBox="1"/>
+          <p:nvPr/>
+        </p:nvSpPr>
+        <p:spPr>
+          <a:xfrm>
+            <a:off x="10598963" y="410360"/>
+            <a:ext cx="607859" cy="307777"/>
+          </a:xfrm>
+          <a:prstGeom prst="rect">
+            <a:avLst/>
+          </a:prstGeom>
+          <a:noFill/>
+        </p:spPr>
+        <p:txBody>
+          <a:bodyPr wrap="none" rtlCol="0">
+            <a:spAutoFit/>
+          </a:bodyPr>
+          <a:lstStyle>
+            <a:defPPr>
+              <a:defRPr lang="ko-KR"/>
+            </a:defPPr>
+            <a:lvl1pPr marL="0" algn="l" defTabSz="914400" rtl="0" eaLnBrk="1" latinLnBrk="1" hangingPunct="1">
+              <a:defRPr sz="1800" kern="1200">
+                <a:solidFill>
+                  <a:schemeClr val="tx1"/>
+                </a:solidFill>
+                <a:latin typeface="+mn-lt"/>
+                <a:ea typeface="+mn-ea"/>
+                <a:cs typeface="+mn-cs"/>
+              </a:defRPr>
+            </a:lvl1pPr>
+            <a:lvl2pPr marL="457200" algn="l" defTabSz="914400" rtl="0" eaLnBrk="1" latinLnBrk="1" hangingPunct="1">
+              <a:defRPr sz="1800" kern="1200">
+                <a:solidFill>
+                  <a:schemeClr val="tx1"/>
+                </a:solidFill>
+                <a:latin typeface="+mn-lt"/>
+                <a:ea typeface="+mn-ea"/>
+                <a:cs typeface="+mn-cs"/>
+              </a:defRPr>
+            </a:lvl2pPr>
+            <a:lvl3pPr marL="914400" algn="l" defTabSz="914400" rtl="0" eaLnBrk="1" latinLnBrk="1" hangingPunct="1">
+              <a:defRPr sz="1800" kern="1200">
+                <a:solidFill>
+                  <a:schemeClr val="tx1"/>
+                </a:solidFill>
+                <a:latin typeface="+mn-lt"/>
+                <a:ea typeface="+mn-ea"/>
+                <a:cs typeface="+mn-cs"/>
+              </a:defRPr>
+            </a:lvl3pPr>
+            <a:lvl4pPr marL="1371600" algn="l" defTabSz="914400" rtl="0" eaLnBrk="1" latinLnBrk="1" hangingPunct="1">
+              <a:defRPr sz="1800" kern="1200">
+                <a:solidFill>
+                  <a:schemeClr val="tx1"/>
+                </a:solidFill>
+                <a:latin typeface="+mn-lt"/>
+                <a:ea typeface="+mn-ea"/>
+                <a:cs typeface="+mn-cs"/>
+              </a:defRPr>
+            </a:lvl4pPr>
+            <a:lvl5pPr marL="1828800" algn="l" defTabSz="914400" rtl="0" eaLnBrk="1" latinLnBrk="1" hangingPunct="1">
+              <a:defRPr sz="1800" kern="1200">
+                <a:solidFill>
+                  <a:schemeClr val="tx1"/>
+                </a:solidFill>
+                <a:latin typeface="+mn-lt"/>
+                <a:ea typeface="+mn-ea"/>
+                <a:cs typeface="+mn-cs"/>
+              </a:defRPr>
+            </a:lvl5pPr>
+            <a:lvl6pPr marL="2286000" algn="l" defTabSz="914400" rtl="0" eaLnBrk="1" latinLnBrk="1" hangingPunct="1">
+              <a:defRPr sz="1800" kern="1200">
+                <a:solidFill>
+                  <a:schemeClr val="tx1"/>
+                </a:solidFill>
+                <a:latin typeface="+mn-lt"/>
+                <a:ea typeface="+mn-ea"/>
+                <a:cs typeface="+mn-cs"/>
+              </a:defRPr>
+            </a:lvl6pPr>
+            <a:lvl7pPr marL="2743200" algn="l" defTabSz="914400" rtl="0" eaLnBrk="1" latinLnBrk="1" hangingPunct="1">
+              <a:defRPr sz="1800" kern="1200">
+                <a:solidFill>
+                  <a:schemeClr val="tx1"/>
+                </a:solidFill>
+                <a:latin typeface="+mn-lt"/>
+                <a:ea typeface="+mn-ea"/>
+                <a:cs typeface="+mn-cs"/>
+              </a:defRPr>
+            </a:lvl7pPr>
+            <a:lvl8pPr marL="3200400" algn="l" defTabSz="914400" rtl="0" eaLnBrk="1" latinLnBrk="1" hangingPunct="1">
+              <a:defRPr sz="1800" kern="1200">
+                <a:solidFill>
+                  <a:schemeClr val="tx1"/>
+                </a:solidFill>
+                <a:latin typeface="+mn-lt"/>
+                <a:ea typeface="+mn-ea"/>
+                <a:cs typeface="+mn-cs"/>
+              </a:defRPr>
+            </a:lvl8pPr>
+            <a:lvl9pPr marL="3657600" algn="l" defTabSz="914400" rtl="0" eaLnBrk="1" latinLnBrk="1" hangingPunct="1">
+              <a:defRPr sz="1800" kern="1200">
+                <a:solidFill>
+                  <a:schemeClr val="tx1"/>
+                </a:solidFill>
+                <a:latin typeface="+mn-lt"/>
+                <a:ea typeface="+mn-ea"/>
+                <a:cs typeface="+mn-cs"/>
+              </a:defRPr>
+            </a:lvl9pPr>
+          </a:lstStyle>
+          <a:p>
+            <a:r>
+              <a:rPr lang="en-US" altLang="ko-KR" sz="1400" b="1" dirty="0">
+                <a:solidFill>
+                  <a:schemeClr val="bg1"/>
+                </a:solidFill>
+              </a:rPr>
+              <a:t>P548</a:t>
+            </a:r>
+          </a:p>
+        </p:txBody>
+      </p:sp>
     </p:spTree>
     <p:extLst>
       <p:ext uri="{BB962C8B-B14F-4D97-AF65-F5344CB8AC3E}">
@@ -4699,6 +4832,139 @@
           </a:prstGeom>
         </p:spPr>
       </p:pic>
+      <p:sp>
+        <p:nvSpPr>
+          <p:cNvPr id="13" name="TextBox 12">
+            <a:extLst>
+              <a:ext uri="{FF2B5EF4-FFF2-40B4-BE49-F238E27FC236}">
+                <a16:creationId xmlns:a16="http://schemas.microsoft.com/office/drawing/2014/main" id="{0E98AE46-DBD1-4AAF-B589-8F757F0AEBE1}"/>
+              </a:ext>
+            </a:extLst>
+          </p:cNvPr>
+          <p:cNvSpPr txBox="1"/>
+          <p:nvPr/>
+        </p:nvSpPr>
+        <p:spPr>
+          <a:xfrm>
+            <a:off x="10598963" y="410360"/>
+            <a:ext cx="607859" cy="307777"/>
+          </a:xfrm>
+          <a:prstGeom prst="rect">
+            <a:avLst/>
+          </a:prstGeom>
+          <a:noFill/>
+        </p:spPr>
+        <p:txBody>
+          <a:bodyPr wrap="none" rtlCol="0">
+            <a:spAutoFit/>
+          </a:bodyPr>
+          <a:lstStyle>
+            <a:defPPr>
+              <a:defRPr lang="ko-KR"/>
+            </a:defPPr>
+            <a:lvl1pPr marL="0" algn="l" defTabSz="914400" rtl="0" eaLnBrk="1" latinLnBrk="1" hangingPunct="1">
+              <a:defRPr sz="1800" kern="1200">
+                <a:solidFill>
+                  <a:schemeClr val="tx1"/>
+                </a:solidFill>
+                <a:latin typeface="+mn-lt"/>
+                <a:ea typeface="+mn-ea"/>
+                <a:cs typeface="+mn-cs"/>
+              </a:defRPr>
+            </a:lvl1pPr>
+            <a:lvl2pPr marL="457200" algn="l" defTabSz="914400" rtl="0" eaLnBrk="1" latinLnBrk="1" hangingPunct="1">
+              <a:defRPr sz="1800" kern="1200">
+                <a:solidFill>
+                  <a:schemeClr val="tx1"/>
+                </a:solidFill>
+                <a:latin typeface="+mn-lt"/>
+                <a:ea typeface="+mn-ea"/>
+                <a:cs typeface="+mn-cs"/>
+              </a:defRPr>
+            </a:lvl2pPr>
+            <a:lvl3pPr marL="914400" algn="l" defTabSz="914400" rtl="0" eaLnBrk="1" latinLnBrk="1" hangingPunct="1">
+              <a:defRPr sz="1800" kern="1200">
+                <a:solidFill>
+                  <a:schemeClr val="tx1"/>
+                </a:solidFill>
+                <a:latin typeface="+mn-lt"/>
+                <a:ea typeface="+mn-ea"/>
+                <a:cs typeface="+mn-cs"/>
+              </a:defRPr>
+            </a:lvl3pPr>
+            <a:lvl4pPr marL="1371600" algn="l" defTabSz="914400" rtl="0" eaLnBrk="1" latinLnBrk="1" hangingPunct="1">
+              <a:defRPr sz="1800" kern="1200">
+                <a:solidFill>
+                  <a:schemeClr val="tx1"/>
+                </a:solidFill>
+                <a:latin typeface="+mn-lt"/>
+                <a:ea typeface="+mn-ea"/>
+                <a:cs typeface="+mn-cs"/>
+              </a:defRPr>
+            </a:lvl4pPr>
+            <a:lvl5pPr marL="1828800" algn="l" defTabSz="914400" rtl="0" eaLnBrk="1" latinLnBrk="1" hangingPunct="1">
+              <a:defRPr sz="1800" kern="1200">
+                <a:solidFill>
+                  <a:schemeClr val="tx1"/>
+                </a:solidFill>
+                <a:latin typeface="+mn-lt"/>
+                <a:ea typeface="+mn-ea"/>
+                <a:cs typeface="+mn-cs"/>
+              </a:defRPr>
+            </a:lvl5pPr>
+            <a:lvl6pPr marL="2286000" algn="l" defTabSz="914400" rtl="0" eaLnBrk="1" latinLnBrk="1" hangingPunct="1">
+              <a:defRPr sz="1800" kern="1200">
+                <a:solidFill>
+                  <a:schemeClr val="tx1"/>
+                </a:solidFill>
+                <a:latin typeface="+mn-lt"/>
+                <a:ea typeface="+mn-ea"/>
+                <a:cs typeface="+mn-cs"/>
+              </a:defRPr>
+            </a:lvl6pPr>
+            <a:lvl7pPr marL="2743200" algn="l" defTabSz="914400" rtl="0" eaLnBrk="1" latinLnBrk="1" hangingPunct="1">
+              <a:defRPr sz="1800" kern="1200">
+                <a:solidFill>
+                  <a:schemeClr val="tx1"/>
+                </a:solidFill>
+                <a:latin typeface="+mn-lt"/>
+                <a:ea typeface="+mn-ea"/>
+                <a:cs typeface="+mn-cs"/>
+              </a:defRPr>
+            </a:lvl7pPr>
+            <a:lvl8pPr marL="3200400" algn="l" defTabSz="914400" rtl="0" eaLnBrk="1" latinLnBrk="1" hangingPunct="1">
+              <a:defRPr sz="1800" kern="1200">
+                <a:solidFill>
+                  <a:schemeClr val="tx1"/>
+                </a:solidFill>
+                <a:latin typeface="+mn-lt"/>
+                <a:ea typeface="+mn-ea"/>
+                <a:cs typeface="+mn-cs"/>
+              </a:defRPr>
+            </a:lvl8pPr>
+            <a:lvl9pPr marL="3657600" algn="l" defTabSz="914400" rtl="0" eaLnBrk="1" latinLnBrk="1" hangingPunct="1">
+              <a:defRPr sz="1800" kern="1200">
+                <a:solidFill>
+                  <a:schemeClr val="tx1"/>
+                </a:solidFill>
+                <a:latin typeface="+mn-lt"/>
+                <a:ea typeface="+mn-ea"/>
+                <a:cs typeface="+mn-cs"/>
+              </a:defRPr>
+            </a:lvl9pPr>
+          </a:lstStyle>
+          <a:p>
+            <a:r>
+              <a:rPr lang="en-US" altLang="ko-KR" sz="1400" b="1" dirty="0">
+                <a:solidFill>
+                  <a:schemeClr val="bg1"/>
+                </a:solidFill>
+              </a:rPr>
+              <a:t>P549</a:t>
+            </a:r>
+          </a:p>
+        </p:txBody>
+      </p:sp>
     </p:spTree>
     <p:extLst>
       <p:ext uri="{BB962C8B-B14F-4D97-AF65-F5344CB8AC3E}">
@@ -5046,6 +5312,139 @@
           </a:prstGeom>
         </p:spPr>
       </p:pic>
+      <p:sp>
+        <p:nvSpPr>
+          <p:cNvPr id="15" name="TextBox 12">
+            <a:extLst>
+              <a:ext uri="{FF2B5EF4-FFF2-40B4-BE49-F238E27FC236}">
+                <a16:creationId xmlns:a16="http://schemas.microsoft.com/office/drawing/2014/main" id="{215E0CA6-F156-444B-9920-93290E5CEB84}"/>
+              </a:ext>
+            </a:extLst>
+          </p:cNvPr>
+          <p:cNvSpPr txBox="1"/>
+          <p:nvPr/>
+        </p:nvSpPr>
+        <p:spPr>
+          <a:xfrm>
+            <a:off x="10598963" y="410360"/>
+            <a:ext cx="607859" cy="307777"/>
+          </a:xfrm>
+          <a:prstGeom prst="rect">
+            <a:avLst/>
+          </a:prstGeom>
+          <a:noFill/>
+        </p:spPr>
+        <p:txBody>
+          <a:bodyPr wrap="none" rtlCol="0">
+            <a:spAutoFit/>
+          </a:bodyPr>
+          <a:lstStyle>
+            <a:defPPr>
+              <a:defRPr lang="ko-KR"/>
+            </a:defPPr>
+            <a:lvl1pPr marL="0" algn="l" defTabSz="914400" rtl="0" eaLnBrk="1" latinLnBrk="1" hangingPunct="1">
+              <a:defRPr sz="1800" kern="1200">
+                <a:solidFill>
+                  <a:schemeClr val="tx1"/>
+                </a:solidFill>
+                <a:latin typeface="+mn-lt"/>
+                <a:ea typeface="+mn-ea"/>
+                <a:cs typeface="+mn-cs"/>
+              </a:defRPr>
+            </a:lvl1pPr>
+            <a:lvl2pPr marL="457200" algn="l" defTabSz="914400" rtl="0" eaLnBrk="1" latinLnBrk="1" hangingPunct="1">
+              <a:defRPr sz="1800" kern="1200">
+                <a:solidFill>
+                  <a:schemeClr val="tx1"/>
+                </a:solidFill>
+                <a:latin typeface="+mn-lt"/>
+                <a:ea typeface="+mn-ea"/>
+                <a:cs typeface="+mn-cs"/>
+              </a:defRPr>
+            </a:lvl2pPr>
+            <a:lvl3pPr marL="914400" algn="l" defTabSz="914400" rtl="0" eaLnBrk="1" latinLnBrk="1" hangingPunct="1">
+              <a:defRPr sz="1800" kern="1200">
+                <a:solidFill>
+                  <a:schemeClr val="tx1"/>
+                </a:solidFill>
+                <a:latin typeface="+mn-lt"/>
+                <a:ea typeface="+mn-ea"/>
+                <a:cs typeface="+mn-cs"/>
+              </a:defRPr>
+            </a:lvl3pPr>
+            <a:lvl4pPr marL="1371600" algn="l" defTabSz="914400" rtl="0" eaLnBrk="1" latinLnBrk="1" hangingPunct="1">
+              <a:defRPr sz="1800" kern="1200">
+                <a:solidFill>
+                  <a:schemeClr val="tx1"/>
+                </a:solidFill>
+                <a:latin typeface="+mn-lt"/>
+                <a:ea typeface="+mn-ea"/>
+                <a:cs typeface="+mn-cs"/>
+              </a:defRPr>
+            </a:lvl4pPr>
+            <a:lvl5pPr marL="1828800" algn="l" defTabSz="914400" rtl="0" eaLnBrk="1" latinLnBrk="1" hangingPunct="1">
+              <a:defRPr sz="1800" kern="1200">
+                <a:solidFill>
+                  <a:schemeClr val="tx1"/>
+                </a:solidFill>
+                <a:latin typeface="+mn-lt"/>
+                <a:ea typeface="+mn-ea"/>
+                <a:cs typeface="+mn-cs"/>
+              </a:defRPr>
+            </a:lvl5pPr>
+            <a:lvl6pPr marL="2286000" algn="l" defTabSz="914400" rtl="0" eaLnBrk="1" latinLnBrk="1" hangingPunct="1">
+              <a:defRPr sz="1800" kern="1200">
+                <a:solidFill>
+                  <a:schemeClr val="tx1"/>
+                </a:solidFill>
+                <a:latin typeface="+mn-lt"/>
+                <a:ea typeface="+mn-ea"/>
+                <a:cs typeface="+mn-cs"/>
+              </a:defRPr>
+            </a:lvl6pPr>
+            <a:lvl7pPr marL="2743200" algn="l" defTabSz="914400" rtl="0" eaLnBrk="1" latinLnBrk="1" hangingPunct="1">
+              <a:defRPr sz="1800" kern="1200">
+                <a:solidFill>
+                  <a:schemeClr val="tx1"/>
+                </a:solidFill>
+                <a:latin typeface="+mn-lt"/>
+                <a:ea typeface="+mn-ea"/>
+                <a:cs typeface="+mn-cs"/>
+              </a:defRPr>
+            </a:lvl7pPr>
+            <a:lvl8pPr marL="3200400" algn="l" defTabSz="914400" rtl="0" eaLnBrk="1" latinLnBrk="1" hangingPunct="1">
+              <a:defRPr sz="1800" kern="1200">
+                <a:solidFill>
+                  <a:schemeClr val="tx1"/>
+                </a:solidFill>
+                <a:latin typeface="+mn-lt"/>
+                <a:ea typeface="+mn-ea"/>
+                <a:cs typeface="+mn-cs"/>
+              </a:defRPr>
+            </a:lvl8pPr>
+            <a:lvl9pPr marL="3657600" algn="l" defTabSz="914400" rtl="0" eaLnBrk="1" latinLnBrk="1" hangingPunct="1">
+              <a:defRPr sz="1800" kern="1200">
+                <a:solidFill>
+                  <a:schemeClr val="tx1"/>
+                </a:solidFill>
+                <a:latin typeface="+mn-lt"/>
+                <a:ea typeface="+mn-ea"/>
+                <a:cs typeface="+mn-cs"/>
+              </a:defRPr>
+            </a:lvl9pPr>
+          </a:lstStyle>
+          <a:p>
+            <a:r>
+              <a:rPr lang="en-US" altLang="ko-KR" sz="1400" b="1" dirty="0">
+                <a:solidFill>
+                  <a:schemeClr val="bg1"/>
+                </a:solidFill>
+              </a:rPr>
+              <a:t>P536</a:t>
+            </a:r>
+          </a:p>
+        </p:txBody>
+      </p:sp>
     </p:spTree>
     <p:extLst>
       <p:ext uri="{BB962C8B-B14F-4D97-AF65-F5344CB8AC3E}">
@@ -6119,6 +6518,139 @@
           </a:p>
         </p:txBody>
       </p:sp>
+      <p:sp>
+        <p:nvSpPr>
+          <p:cNvPr id="10" name="TextBox 12">
+            <a:extLst>
+              <a:ext uri="{FF2B5EF4-FFF2-40B4-BE49-F238E27FC236}">
+                <a16:creationId xmlns:a16="http://schemas.microsoft.com/office/drawing/2014/main" id="{751F7484-D40D-4C6E-9B83-61D2719F7F52}"/>
+              </a:ext>
+            </a:extLst>
+          </p:cNvPr>
+          <p:cNvSpPr txBox="1"/>
+          <p:nvPr/>
+        </p:nvSpPr>
+        <p:spPr>
+          <a:xfrm>
+            <a:off x="10598963" y="410360"/>
+            <a:ext cx="607859" cy="307777"/>
+          </a:xfrm>
+          <a:prstGeom prst="rect">
+            <a:avLst/>
+          </a:prstGeom>
+          <a:noFill/>
+        </p:spPr>
+        <p:txBody>
+          <a:bodyPr wrap="none" rtlCol="0">
+            <a:spAutoFit/>
+          </a:bodyPr>
+          <a:lstStyle>
+            <a:defPPr>
+              <a:defRPr lang="ko-KR"/>
+            </a:defPPr>
+            <a:lvl1pPr marL="0" algn="l" defTabSz="914400" rtl="0" eaLnBrk="1" latinLnBrk="1" hangingPunct="1">
+              <a:defRPr sz="1800" kern="1200">
+                <a:solidFill>
+                  <a:schemeClr val="tx1"/>
+                </a:solidFill>
+                <a:latin typeface="+mn-lt"/>
+                <a:ea typeface="+mn-ea"/>
+                <a:cs typeface="+mn-cs"/>
+              </a:defRPr>
+            </a:lvl1pPr>
+            <a:lvl2pPr marL="457200" algn="l" defTabSz="914400" rtl="0" eaLnBrk="1" latinLnBrk="1" hangingPunct="1">
+              <a:defRPr sz="1800" kern="1200">
+                <a:solidFill>
+                  <a:schemeClr val="tx1"/>
+                </a:solidFill>
+                <a:latin typeface="+mn-lt"/>
+                <a:ea typeface="+mn-ea"/>
+                <a:cs typeface="+mn-cs"/>
+              </a:defRPr>
+            </a:lvl2pPr>
+            <a:lvl3pPr marL="914400" algn="l" defTabSz="914400" rtl="0" eaLnBrk="1" latinLnBrk="1" hangingPunct="1">
+              <a:defRPr sz="1800" kern="1200">
+                <a:solidFill>
+                  <a:schemeClr val="tx1"/>
+                </a:solidFill>
+                <a:latin typeface="+mn-lt"/>
+                <a:ea typeface="+mn-ea"/>
+                <a:cs typeface="+mn-cs"/>
+              </a:defRPr>
+            </a:lvl3pPr>
+            <a:lvl4pPr marL="1371600" algn="l" defTabSz="914400" rtl="0" eaLnBrk="1" latinLnBrk="1" hangingPunct="1">
+              <a:defRPr sz="1800" kern="1200">
+                <a:solidFill>
+                  <a:schemeClr val="tx1"/>
+                </a:solidFill>
+                <a:latin typeface="+mn-lt"/>
+                <a:ea typeface="+mn-ea"/>
+                <a:cs typeface="+mn-cs"/>
+              </a:defRPr>
+            </a:lvl4pPr>
+            <a:lvl5pPr marL="1828800" algn="l" defTabSz="914400" rtl="0" eaLnBrk="1" latinLnBrk="1" hangingPunct="1">
+              <a:defRPr sz="1800" kern="1200">
+                <a:solidFill>
+                  <a:schemeClr val="tx1"/>
+                </a:solidFill>
+                <a:latin typeface="+mn-lt"/>
+                <a:ea typeface="+mn-ea"/>
+                <a:cs typeface="+mn-cs"/>
+              </a:defRPr>
+            </a:lvl5pPr>
+            <a:lvl6pPr marL="2286000" algn="l" defTabSz="914400" rtl="0" eaLnBrk="1" latinLnBrk="1" hangingPunct="1">
+              <a:defRPr sz="1800" kern="1200">
+                <a:solidFill>
+                  <a:schemeClr val="tx1"/>
+                </a:solidFill>
+                <a:latin typeface="+mn-lt"/>
+                <a:ea typeface="+mn-ea"/>
+                <a:cs typeface="+mn-cs"/>
+              </a:defRPr>
+            </a:lvl6pPr>
+            <a:lvl7pPr marL="2743200" algn="l" defTabSz="914400" rtl="0" eaLnBrk="1" latinLnBrk="1" hangingPunct="1">
+              <a:defRPr sz="1800" kern="1200">
+                <a:solidFill>
+                  <a:schemeClr val="tx1"/>
+                </a:solidFill>
+                <a:latin typeface="+mn-lt"/>
+                <a:ea typeface="+mn-ea"/>
+                <a:cs typeface="+mn-cs"/>
+              </a:defRPr>
+            </a:lvl7pPr>
+            <a:lvl8pPr marL="3200400" algn="l" defTabSz="914400" rtl="0" eaLnBrk="1" latinLnBrk="1" hangingPunct="1">
+              <a:defRPr sz="1800" kern="1200">
+                <a:solidFill>
+                  <a:schemeClr val="tx1"/>
+                </a:solidFill>
+                <a:latin typeface="+mn-lt"/>
+                <a:ea typeface="+mn-ea"/>
+                <a:cs typeface="+mn-cs"/>
+              </a:defRPr>
+            </a:lvl8pPr>
+            <a:lvl9pPr marL="3657600" algn="l" defTabSz="914400" rtl="0" eaLnBrk="1" latinLnBrk="1" hangingPunct="1">
+              <a:defRPr sz="1800" kern="1200">
+                <a:solidFill>
+                  <a:schemeClr val="tx1"/>
+                </a:solidFill>
+                <a:latin typeface="+mn-lt"/>
+                <a:ea typeface="+mn-ea"/>
+                <a:cs typeface="+mn-cs"/>
+              </a:defRPr>
+            </a:lvl9pPr>
+          </a:lstStyle>
+          <a:p>
+            <a:r>
+              <a:rPr lang="en-US" altLang="ko-KR" sz="1400" b="1" dirty="0">
+                <a:solidFill>
+                  <a:schemeClr val="bg1"/>
+                </a:solidFill>
+              </a:rPr>
+              <a:t>P538</a:t>
+            </a:r>
+          </a:p>
+        </p:txBody>
+      </p:sp>
     </p:spTree>
     <p:extLst>
       <p:ext uri="{BB962C8B-B14F-4D97-AF65-F5344CB8AC3E}">
@@ -7143,6 +7675,139 @@
           </a:prstGeom>
         </p:spPr>
       </p:pic>
+      <p:sp>
+        <p:nvSpPr>
+          <p:cNvPr id="9" name="TextBox 12">
+            <a:extLst>
+              <a:ext uri="{FF2B5EF4-FFF2-40B4-BE49-F238E27FC236}">
+                <a16:creationId xmlns:a16="http://schemas.microsoft.com/office/drawing/2014/main" id="{5FB9BBC3-23CA-4A79-B373-7901CCD100BE}"/>
+              </a:ext>
+            </a:extLst>
+          </p:cNvPr>
+          <p:cNvSpPr txBox="1"/>
+          <p:nvPr/>
+        </p:nvSpPr>
+        <p:spPr>
+          <a:xfrm>
+            <a:off x="10598963" y="410360"/>
+            <a:ext cx="607859" cy="307777"/>
+          </a:xfrm>
+          <a:prstGeom prst="rect">
+            <a:avLst/>
+          </a:prstGeom>
+          <a:noFill/>
+        </p:spPr>
+        <p:txBody>
+          <a:bodyPr wrap="none" rtlCol="0">
+            <a:spAutoFit/>
+          </a:bodyPr>
+          <a:lstStyle>
+            <a:defPPr>
+              <a:defRPr lang="ko-KR"/>
+            </a:defPPr>
+            <a:lvl1pPr marL="0" algn="l" defTabSz="914400" rtl="0" eaLnBrk="1" latinLnBrk="1" hangingPunct="1">
+              <a:defRPr sz="1800" kern="1200">
+                <a:solidFill>
+                  <a:schemeClr val="tx1"/>
+                </a:solidFill>
+                <a:latin typeface="+mn-lt"/>
+                <a:ea typeface="+mn-ea"/>
+                <a:cs typeface="+mn-cs"/>
+              </a:defRPr>
+            </a:lvl1pPr>
+            <a:lvl2pPr marL="457200" algn="l" defTabSz="914400" rtl="0" eaLnBrk="1" latinLnBrk="1" hangingPunct="1">
+              <a:defRPr sz="1800" kern="1200">
+                <a:solidFill>
+                  <a:schemeClr val="tx1"/>
+                </a:solidFill>
+                <a:latin typeface="+mn-lt"/>
+                <a:ea typeface="+mn-ea"/>
+                <a:cs typeface="+mn-cs"/>
+              </a:defRPr>
+            </a:lvl2pPr>
+            <a:lvl3pPr marL="914400" algn="l" defTabSz="914400" rtl="0" eaLnBrk="1" latinLnBrk="1" hangingPunct="1">
+              <a:defRPr sz="1800" kern="1200">
+                <a:solidFill>
+                  <a:schemeClr val="tx1"/>
+                </a:solidFill>
+                <a:latin typeface="+mn-lt"/>
+                <a:ea typeface="+mn-ea"/>
+                <a:cs typeface="+mn-cs"/>
+              </a:defRPr>
+            </a:lvl3pPr>
+            <a:lvl4pPr marL="1371600" algn="l" defTabSz="914400" rtl="0" eaLnBrk="1" latinLnBrk="1" hangingPunct="1">
+              <a:defRPr sz="1800" kern="1200">
+                <a:solidFill>
+                  <a:schemeClr val="tx1"/>
+                </a:solidFill>
+                <a:latin typeface="+mn-lt"/>
+                <a:ea typeface="+mn-ea"/>
+                <a:cs typeface="+mn-cs"/>
+              </a:defRPr>
+            </a:lvl4pPr>
+            <a:lvl5pPr marL="1828800" algn="l" defTabSz="914400" rtl="0" eaLnBrk="1" latinLnBrk="1" hangingPunct="1">
+              <a:defRPr sz="1800" kern="1200">
+                <a:solidFill>
+                  <a:schemeClr val="tx1"/>
+                </a:solidFill>
+                <a:latin typeface="+mn-lt"/>
+                <a:ea typeface="+mn-ea"/>
+                <a:cs typeface="+mn-cs"/>
+              </a:defRPr>
+            </a:lvl5pPr>
+            <a:lvl6pPr marL="2286000" algn="l" defTabSz="914400" rtl="0" eaLnBrk="1" latinLnBrk="1" hangingPunct="1">
+              <a:defRPr sz="1800" kern="1200">
+                <a:solidFill>
+                  <a:schemeClr val="tx1"/>
+                </a:solidFill>
+                <a:latin typeface="+mn-lt"/>
+                <a:ea typeface="+mn-ea"/>
+                <a:cs typeface="+mn-cs"/>
+              </a:defRPr>
+            </a:lvl6pPr>
+            <a:lvl7pPr marL="2743200" algn="l" defTabSz="914400" rtl="0" eaLnBrk="1" latinLnBrk="1" hangingPunct="1">
+              <a:defRPr sz="1800" kern="1200">
+                <a:solidFill>
+                  <a:schemeClr val="tx1"/>
+                </a:solidFill>
+                <a:latin typeface="+mn-lt"/>
+                <a:ea typeface="+mn-ea"/>
+                <a:cs typeface="+mn-cs"/>
+              </a:defRPr>
+            </a:lvl7pPr>
+            <a:lvl8pPr marL="3200400" algn="l" defTabSz="914400" rtl="0" eaLnBrk="1" latinLnBrk="1" hangingPunct="1">
+              <a:defRPr sz="1800" kern="1200">
+                <a:solidFill>
+                  <a:schemeClr val="tx1"/>
+                </a:solidFill>
+                <a:latin typeface="+mn-lt"/>
+                <a:ea typeface="+mn-ea"/>
+                <a:cs typeface="+mn-cs"/>
+              </a:defRPr>
+            </a:lvl8pPr>
+            <a:lvl9pPr marL="3657600" algn="l" defTabSz="914400" rtl="0" eaLnBrk="1" latinLnBrk="1" hangingPunct="1">
+              <a:defRPr sz="1800" kern="1200">
+                <a:solidFill>
+                  <a:schemeClr val="tx1"/>
+                </a:solidFill>
+                <a:latin typeface="+mn-lt"/>
+                <a:ea typeface="+mn-ea"/>
+                <a:cs typeface="+mn-cs"/>
+              </a:defRPr>
+            </a:lvl9pPr>
+          </a:lstStyle>
+          <a:p>
+            <a:r>
+              <a:rPr lang="en-US" altLang="ko-KR" sz="1400" b="1" dirty="0">
+                <a:solidFill>
+                  <a:schemeClr val="bg1"/>
+                </a:solidFill>
+              </a:rPr>
+              <a:t>P539</a:t>
+            </a:r>
+          </a:p>
+        </p:txBody>
+      </p:sp>
     </p:spTree>
     <p:extLst>
       <p:ext uri="{BB962C8B-B14F-4D97-AF65-F5344CB8AC3E}">
@@ -7793,6 +8458,139 @@
           </a:prstGeom>
         </p:spPr>
       </p:pic>
+      <p:sp>
+        <p:nvSpPr>
+          <p:cNvPr id="11" name="TextBox 12">
+            <a:extLst>
+              <a:ext uri="{FF2B5EF4-FFF2-40B4-BE49-F238E27FC236}">
+                <a16:creationId xmlns:a16="http://schemas.microsoft.com/office/drawing/2014/main" id="{EB448428-A837-445E-BECD-CF5761BB9FFD}"/>
+              </a:ext>
+            </a:extLst>
+          </p:cNvPr>
+          <p:cNvSpPr txBox="1"/>
+          <p:nvPr/>
+        </p:nvSpPr>
+        <p:spPr>
+          <a:xfrm>
+            <a:off x="10598963" y="410360"/>
+            <a:ext cx="607859" cy="307777"/>
+          </a:xfrm>
+          <a:prstGeom prst="rect">
+            <a:avLst/>
+          </a:prstGeom>
+          <a:noFill/>
+        </p:spPr>
+        <p:txBody>
+          <a:bodyPr wrap="none" rtlCol="0">
+            <a:spAutoFit/>
+          </a:bodyPr>
+          <a:lstStyle>
+            <a:defPPr>
+              <a:defRPr lang="ko-KR"/>
+            </a:defPPr>
+            <a:lvl1pPr marL="0" algn="l" defTabSz="914400" rtl="0" eaLnBrk="1" latinLnBrk="1" hangingPunct="1">
+              <a:defRPr sz="1800" kern="1200">
+                <a:solidFill>
+                  <a:schemeClr val="tx1"/>
+                </a:solidFill>
+                <a:latin typeface="+mn-lt"/>
+                <a:ea typeface="+mn-ea"/>
+                <a:cs typeface="+mn-cs"/>
+              </a:defRPr>
+            </a:lvl1pPr>
+            <a:lvl2pPr marL="457200" algn="l" defTabSz="914400" rtl="0" eaLnBrk="1" latinLnBrk="1" hangingPunct="1">
+              <a:defRPr sz="1800" kern="1200">
+                <a:solidFill>
+                  <a:schemeClr val="tx1"/>
+                </a:solidFill>
+                <a:latin typeface="+mn-lt"/>
+                <a:ea typeface="+mn-ea"/>
+                <a:cs typeface="+mn-cs"/>
+              </a:defRPr>
+            </a:lvl2pPr>
+            <a:lvl3pPr marL="914400" algn="l" defTabSz="914400" rtl="0" eaLnBrk="1" latinLnBrk="1" hangingPunct="1">
+              <a:defRPr sz="1800" kern="1200">
+                <a:solidFill>
+                  <a:schemeClr val="tx1"/>
+                </a:solidFill>
+                <a:latin typeface="+mn-lt"/>
+                <a:ea typeface="+mn-ea"/>
+                <a:cs typeface="+mn-cs"/>
+              </a:defRPr>
+            </a:lvl3pPr>
+            <a:lvl4pPr marL="1371600" algn="l" defTabSz="914400" rtl="0" eaLnBrk="1" latinLnBrk="1" hangingPunct="1">
+              <a:defRPr sz="1800" kern="1200">
+                <a:solidFill>
+                  <a:schemeClr val="tx1"/>
+                </a:solidFill>
+                <a:latin typeface="+mn-lt"/>
+                <a:ea typeface="+mn-ea"/>
+                <a:cs typeface="+mn-cs"/>
+              </a:defRPr>
+            </a:lvl4pPr>
+            <a:lvl5pPr marL="1828800" algn="l" defTabSz="914400" rtl="0" eaLnBrk="1" latinLnBrk="1" hangingPunct="1">
+              <a:defRPr sz="1800" kern="1200">
+                <a:solidFill>
+                  <a:schemeClr val="tx1"/>
+                </a:solidFill>
+                <a:latin typeface="+mn-lt"/>
+                <a:ea typeface="+mn-ea"/>
+                <a:cs typeface="+mn-cs"/>
+              </a:defRPr>
+            </a:lvl5pPr>
+            <a:lvl6pPr marL="2286000" algn="l" defTabSz="914400" rtl="0" eaLnBrk="1" latinLnBrk="1" hangingPunct="1">
+              <a:defRPr sz="1800" kern="1200">
+                <a:solidFill>
+                  <a:schemeClr val="tx1"/>
+                </a:solidFill>
+                <a:latin typeface="+mn-lt"/>
+                <a:ea typeface="+mn-ea"/>
+                <a:cs typeface="+mn-cs"/>
+              </a:defRPr>
+            </a:lvl6pPr>
+            <a:lvl7pPr marL="2743200" algn="l" defTabSz="914400" rtl="0" eaLnBrk="1" latinLnBrk="1" hangingPunct="1">
+              <a:defRPr sz="1800" kern="1200">
+                <a:solidFill>
+                  <a:schemeClr val="tx1"/>
+                </a:solidFill>
+                <a:latin typeface="+mn-lt"/>
+                <a:ea typeface="+mn-ea"/>
+                <a:cs typeface="+mn-cs"/>
+              </a:defRPr>
+            </a:lvl7pPr>
+            <a:lvl8pPr marL="3200400" algn="l" defTabSz="914400" rtl="0" eaLnBrk="1" latinLnBrk="1" hangingPunct="1">
+              <a:defRPr sz="1800" kern="1200">
+                <a:solidFill>
+                  <a:schemeClr val="tx1"/>
+                </a:solidFill>
+                <a:latin typeface="+mn-lt"/>
+                <a:ea typeface="+mn-ea"/>
+                <a:cs typeface="+mn-cs"/>
+              </a:defRPr>
+            </a:lvl8pPr>
+            <a:lvl9pPr marL="3657600" algn="l" defTabSz="914400" rtl="0" eaLnBrk="1" latinLnBrk="1" hangingPunct="1">
+              <a:defRPr sz="1800" kern="1200">
+                <a:solidFill>
+                  <a:schemeClr val="tx1"/>
+                </a:solidFill>
+                <a:latin typeface="+mn-lt"/>
+                <a:ea typeface="+mn-ea"/>
+                <a:cs typeface="+mn-cs"/>
+              </a:defRPr>
+            </a:lvl9pPr>
+          </a:lstStyle>
+          <a:p>
+            <a:r>
+              <a:rPr lang="en-US" altLang="ko-KR" sz="1400" b="1" dirty="0">
+                <a:solidFill>
+                  <a:schemeClr val="bg1"/>
+                </a:solidFill>
+              </a:rPr>
+              <a:t>P541</a:t>
+            </a:r>
+          </a:p>
+        </p:txBody>
+      </p:sp>
     </p:spTree>
     <p:extLst>
       <p:ext uri="{BB962C8B-B14F-4D97-AF65-F5344CB8AC3E}">
@@ -8956,6 +9754,139 @@
           </a:fontRef>
         </p:style>
       </p:cxnSp>
+      <p:sp>
+        <p:nvSpPr>
+          <p:cNvPr id="13" name="TextBox 12">
+            <a:extLst>
+              <a:ext uri="{FF2B5EF4-FFF2-40B4-BE49-F238E27FC236}">
+                <a16:creationId xmlns:a16="http://schemas.microsoft.com/office/drawing/2014/main" id="{BFD50E0E-58D6-4A63-BE7E-184D7543B5CF}"/>
+              </a:ext>
+            </a:extLst>
+          </p:cNvPr>
+          <p:cNvSpPr txBox="1"/>
+          <p:nvPr/>
+        </p:nvSpPr>
+        <p:spPr>
+          <a:xfrm>
+            <a:off x="10598963" y="410360"/>
+            <a:ext cx="607859" cy="307777"/>
+          </a:xfrm>
+          <a:prstGeom prst="rect">
+            <a:avLst/>
+          </a:prstGeom>
+          <a:noFill/>
+        </p:spPr>
+        <p:txBody>
+          <a:bodyPr wrap="none" rtlCol="0">
+            <a:spAutoFit/>
+          </a:bodyPr>
+          <a:lstStyle>
+            <a:defPPr>
+              <a:defRPr lang="ko-KR"/>
+            </a:defPPr>
+            <a:lvl1pPr marL="0" algn="l" defTabSz="914400" rtl="0" eaLnBrk="1" latinLnBrk="1" hangingPunct="1">
+              <a:defRPr sz="1800" kern="1200">
+                <a:solidFill>
+                  <a:schemeClr val="tx1"/>
+                </a:solidFill>
+                <a:latin typeface="+mn-lt"/>
+                <a:ea typeface="+mn-ea"/>
+                <a:cs typeface="+mn-cs"/>
+              </a:defRPr>
+            </a:lvl1pPr>
+            <a:lvl2pPr marL="457200" algn="l" defTabSz="914400" rtl="0" eaLnBrk="1" latinLnBrk="1" hangingPunct="1">
+              <a:defRPr sz="1800" kern="1200">
+                <a:solidFill>
+                  <a:schemeClr val="tx1"/>
+                </a:solidFill>
+                <a:latin typeface="+mn-lt"/>
+                <a:ea typeface="+mn-ea"/>
+                <a:cs typeface="+mn-cs"/>
+              </a:defRPr>
+            </a:lvl2pPr>
+            <a:lvl3pPr marL="914400" algn="l" defTabSz="914400" rtl="0" eaLnBrk="1" latinLnBrk="1" hangingPunct="1">
+              <a:defRPr sz="1800" kern="1200">
+                <a:solidFill>
+                  <a:schemeClr val="tx1"/>
+                </a:solidFill>
+                <a:latin typeface="+mn-lt"/>
+                <a:ea typeface="+mn-ea"/>
+                <a:cs typeface="+mn-cs"/>
+              </a:defRPr>
+            </a:lvl3pPr>
+            <a:lvl4pPr marL="1371600" algn="l" defTabSz="914400" rtl="0" eaLnBrk="1" latinLnBrk="1" hangingPunct="1">
+              <a:defRPr sz="1800" kern="1200">
+                <a:solidFill>
+                  <a:schemeClr val="tx1"/>
+                </a:solidFill>
+                <a:latin typeface="+mn-lt"/>
+                <a:ea typeface="+mn-ea"/>
+                <a:cs typeface="+mn-cs"/>
+              </a:defRPr>
+            </a:lvl4pPr>
+            <a:lvl5pPr marL="1828800" algn="l" defTabSz="914400" rtl="0" eaLnBrk="1" latinLnBrk="1" hangingPunct="1">
+              <a:defRPr sz="1800" kern="1200">
+                <a:solidFill>
+                  <a:schemeClr val="tx1"/>
+                </a:solidFill>
+                <a:latin typeface="+mn-lt"/>
+                <a:ea typeface="+mn-ea"/>
+                <a:cs typeface="+mn-cs"/>
+              </a:defRPr>
+            </a:lvl5pPr>
+            <a:lvl6pPr marL="2286000" algn="l" defTabSz="914400" rtl="0" eaLnBrk="1" latinLnBrk="1" hangingPunct="1">
+              <a:defRPr sz="1800" kern="1200">
+                <a:solidFill>
+                  <a:schemeClr val="tx1"/>
+                </a:solidFill>
+                <a:latin typeface="+mn-lt"/>
+                <a:ea typeface="+mn-ea"/>
+                <a:cs typeface="+mn-cs"/>
+              </a:defRPr>
+            </a:lvl6pPr>
+            <a:lvl7pPr marL="2743200" algn="l" defTabSz="914400" rtl="0" eaLnBrk="1" latinLnBrk="1" hangingPunct="1">
+              <a:defRPr sz="1800" kern="1200">
+                <a:solidFill>
+                  <a:schemeClr val="tx1"/>
+                </a:solidFill>
+                <a:latin typeface="+mn-lt"/>
+                <a:ea typeface="+mn-ea"/>
+                <a:cs typeface="+mn-cs"/>
+              </a:defRPr>
+            </a:lvl7pPr>
+            <a:lvl8pPr marL="3200400" algn="l" defTabSz="914400" rtl="0" eaLnBrk="1" latinLnBrk="1" hangingPunct="1">
+              <a:defRPr sz="1800" kern="1200">
+                <a:solidFill>
+                  <a:schemeClr val="tx1"/>
+                </a:solidFill>
+                <a:latin typeface="+mn-lt"/>
+                <a:ea typeface="+mn-ea"/>
+                <a:cs typeface="+mn-cs"/>
+              </a:defRPr>
+            </a:lvl8pPr>
+            <a:lvl9pPr marL="3657600" algn="l" defTabSz="914400" rtl="0" eaLnBrk="1" latinLnBrk="1" hangingPunct="1">
+              <a:defRPr sz="1800" kern="1200">
+                <a:solidFill>
+                  <a:schemeClr val="tx1"/>
+                </a:solidFill>
+                <a:latin typeface="+mn-lt"/>
+                <a:ea typeface="+mn-ea"/>
+                <a:cs typeface="+mn-cs"/>
+              </a:defRPr>
+            </a:lvl9pPr>
+          </a:lstStyle>
+          <a:p>
+            <a:r>
+              <a:rPr lang="en-US" altLang="ko-KR" sz="1400" b="1" dirty="0">
+                <a:solidFill>
+                  <a:schemeClr val="bg1"/>
+                </a:solidFill>
+              </a:rPr>
+              <a:t>P542</a:t>
+            </a:r>
+          </a:p>
+        </p:txBody>
+      </p:sp>
     </p:spTree>
     <p:extLst>
       <p:ext uri="{BB962C8B-B14F-4D97-AF65-F5344CB8AC3E}">
@@ -9516,6 +10447,139 @@
           </a:prstGeom>
         </p:spPr>
       </p:pic>
+      <p:sp>
+        <p:nvSpPr>
+          <p:cNvPr id="9" name="TextBox 12">
+            <a:extLst>
+              <a:ext uri="{FF2B5EF4-FFF2-40B4-BE49-F238E27FC236}">
+                <a16:creationId xmlns:a16="http://schemas.microsoft.com/office/drawing/2014/main" id="{3ACE4807-EC3F-4194-BCB1-37F0F6339514}"/>
+              </a:ext>
+            </a:extLst>
+          </p:cNvPr>
+          <p:cNvSpPr txBox="1"/>
+          <p:nvPr/>
+        </p:nvSpPr>
+        <p:spPr>
+          <a:xfrm>
+            <a:off x="10598963" y="410360"/>
+            <a:ext cx="607859" cy="307777"/>
+          </a:xfrm>
+          <a:prstGeom prst="rect">
+            <a:avLst/>
+          </a:prstGeom>
+          <a:noFill/>
+        </p:spPr>
+        <p:txBody>
+          <a:bodyPr wrap="none" rtlCol="0">
+            <a:spAutoFit/>
+          </a:bodyPr>
+          <a:lstStyle>
+            <a:defPPr>
+              <a:defRPr lang="ko-KR"/>
+            </a:defPPr>
+            <a:lvl1pPr marL="0" algn="l" defTabSz="914400" rtl="0" eaLnBrk="1" latinLnBrk="1" hangingPunct="1">
+              <a:defRPr sz="1800" kern="1200">
+                <a:solidFill>
+                  <a:schemeClr val="tx1"/>
+                </a:solidFill>
+                <a:latin typeface="+mn-lt"/>
+                <a:ea typeface="+mn-ea"/>
+                <a:cs typeface="+mn-cs"/>
+              </a:defRPr>
+            </a:lvl1pPr>
+            <a:lvl2pPr marL="457200" algn="l" defTabSz="914400" rtl="0" eaLnBrk="1" latinLnBrk="1" hangingPunct="1">
+              <a:defRPr sz="1800" kern="1200">
+                <a:solidFill>
+                  <a:schemeClr val="tx1"/>
+                </a:solidFill>
+                <a:latin typeface="+mn-lt"/>
+                <a:ea typeface="+mn-ea"/>
+                <a:cs typeface="+mn-cs"/>
+              </a:defRPr>
+            </a:lvl2pPr>
+            <a:lvl3pPr marL="914400" algn="l" defTabSz="914400" rtl="0" eaLnBrk="1" latinLnBrk="1" hangingPunct="1">
+              <a:defRPr sz="1800" kern="1200">
+                <a:solidFill>
+                  <a:schemeClr val="tx1"/>
+                </a:solidFill>
+                <a:latin typeface="+mn-lt"/>
+                <a:ea typeface="+mn-ea"/>
+                <a:cs typeface="+mn-cs"/>
+              </a:defRPr>
+            </a:lvl3pPr>
+            <a:lvl4pPr marL="1371600" algn="l" defTabSz="914400" rtl="0" eaLnBrk="1" latinLnBrk="1" hangingPunct="1">
+              <a:defRPr sz="1800" kern="1200">
+                <a:solidFill>
+                  <a:schemeClr val="tx1"/>
+                </a:solidFill>
+                <a:latin typeface="+mn-lt"/>
+                <a:ea typeface="+mn-ea"/>
+                <a:cs typeface="+mn-cs"/>
+              </a:defRPr>
+            </a:lvl4pPr>
+            <a:lvl5pPr marL="1828800" algn="l" defTabSz="914400" rtl="0" eaLnBrk="1" latinLnBrk="1" hangingPunct="1">
+              <a:defRPr sz="1800" kern="1200">
+                <a:solidFill>
+                  <a:schemeClr val="tx1"/>
+                </a:solidFill>
+                <a:latin typeface="+mn-lt"/>
+                <a:ea typeface="+mn-ea"/>
+                <a:cs typeface="+mn-cs"/>
+              </a:defRPr>
+            </a:lvl5pPr>
+            <a:lvl6pPr marL="2286000" algn="l" defTabSz="914400" rtl="0" eaLnBrk="1" latinLnBrk="1" hangingPunct="1">
+              <a:defRPr sz="1800" kern="1200">
+                <a:solidFill>
+                  <a:schemeClr val="tx1"/>
+                </a:solidFill>
+                <a:latin typeface="+mn-lt"/>
+                <a:ea typeface="+mn-ea"/>
+                <a:cs typeface="+mn-cs"/>
+              </a:defRPr>
+            </a:lvl6pPr>
+            <a:lvl7pPr marL="2743200" algn="l" defTabSz="914400" rtl="0" eaLnBrk="1" latinLnBrk="1" hangingPunct="1">
+              <a:defRPr sz="1800" kern="1200">
+                <a:solidFill>
+                  <a:schemeClr val="tx1"/>
+                </a:solidFill>
+                <a:latin typeface="+mn-lt"/>
+                <a:ea typeface="+mn-ea"/>
+                <a:cs typeface="+mn-cs"/>
+              </a:defRPr>
+            </a:lvl7pPr>
+            <a:lvl8pPr marL="3200400" algn="l" defTabSz="914400" rtl="0" eaLnBrk="1" latinLnBrk="1" hangingPunct="1">
+              <a:defRPr sz="1800" kern="1200">
+                <a:solidFill>
+                  <a:schemeClr val="tx1"/>
+                </a:solidFill>
+                <a:latin typeface="+mn-lt"/>
+                <a:ea typeface="+mn-ea"/>
+                <a:cs typeface="+mn-cs"/>
+              </a:defRPr>
+            </a:lvl8pPr>
+            <a:lvl9pPr marL="3657600" algn="l" defTabSz="914400" rtl="0" eaLnBrk="1" latinLnBrk="1" hangingPunct="1">
+              <a:defRPr sz="1800" kern="1200">
+                <a:solidFill>
+                  <a:schemeClr val="tx1"/>
+                </a:solidFill>
+                <a:latin typeface="+mn-lt"/>
+                <a:ea typeface="+mn-ea"/>
+                <a:cs typeface="+mn-cs"/>
+              </a:defRPr>
+            </a:lvl9pPr>
+          </a:lstStyle>
+          <a:p>
+            <a:r>
+              <a:rPr lang="en-US" altLang="ko-KR" sz="1400" b="1" dirty="0">
+                <a:solidFill>
+                  <a:schemeClr val="bg1"/>
+                </a:solidFill>
+              </a:rPr>
+              <a:t>P543</a:t>
+            </a:r>
+          </a:p>
+        </p:txBody>
+      </p:sp>
     </p:spTree>
     <p:extLst>
       <p:ext uri="{BB962C8B-B14F-4D97-AF65-F5344CB8AC3E}">
@@ -9882,6 +10946,139 @@
           </a:prstGeom>
         </p:spPr>
       </p:pic>
+      <p:sp>
+        <p:nvSpPr>
+          <p:cNvPr id="19" name="TextBox 12">
+            <a:extLst>
+              <a:ext uri="{FF2B5EF4-FFF2-40B4-BE49-F238E27FC236}">
+                <a16:creationId xmlns:a16="http://schemas.microsoft.com/office/drawing/2014/main" id="{E86231EE-2A16-4245-BAE3-8BAF6CFCF738}"/>
+              </a:ext>
+            </a:extLst>
+          </p:cNvPr>
+          <p:cNvSpPr txBox="1"/>
+          <p:nvPr/>
+        </p:nvSpPr>
+        <p:spPr>
+          <a:xfrm>
+            <a:off x="10598963" y="410360"/>
+            <a:ext cx="607859" cy="307777"/>
+          </a:xfrm>
+          <a:prstGeom prst="rect">
+            <a:avLst/>
+          </a:prstGeom>
+          <a:noFill/>
+        </p:spPr>
+        <p:txBody>
+          <a:bodyPr wrap="none" rtlCol="0">
+            <a:spAutoFit/>
+          </a:bodyPr>
+          <a:lstStyle>
+            <a:defPPr>
+              <a:defRPr lang="ko-KR"/>
+            </a:defPPr>
+            <a:lvl1pPr marL="0" algn="l" defTabSz="914400" rtl="0" eaLnBrk="1" latinLnBrk="1" hangingPunct="1">
+              <a:defRPr sz="1800" kern="1200">
+                <a:solidFill>
+                  <a:schemeClr val="tx1"/>
+                </a:solidFill>
+                <a:latin typeface="+mn-lt"/>
+                <a:ea typeface="+mn-ea"/>
+                <a:cs typeface="+mn-cs"/>
+              </a:defRPr>
+            </a:lvl1pPr>
+            <a:lvl2pPr marL="457200" algn="l" defTabSz="914400" rtl="0" eaLnBrk="1" latinLnBrk="1" hangingPunct="1">
+              <a:defRPr sz="1800" kern="1200">
+                <a:solidFill>
+                  <a:schemeClr val="tx1"/>
+                </a:solidFill>
+                <a:latin typeface="+mn-lt"/>
+                <a:ea typeface="+mn-ea"/>
+                <a:cs typeface="+mn-cs"/>
+              </a:defRPr>
+            </a:lvl2pPr>
+            <a:lvl3pPr marL="914400" algn="l" defTabSz="914400" rtl="0" eaLnBrk="1" latinLnBrk="1" hangingPunct="1">
+              <a:defRPr sz="1800" kern="1200">
+                <a:solidFill>
+                  <a:schemeClr val="tx1"/>
+                </a:solidFill>
+                <a:latin typeface="+mn-lt"/>
+                <a:ea typeface="+mn-ea"/>
+                <a:cs typeface="+mn-cs"/>
+              </a:defRPr>
+            </a:lvl3pPr>
+            <a:lvl4pPr marL="1371600" algn="l" defTabSz="914400" rtl="0" eaLnBrk="1" latinLnBrk="1" hangingPunct="1">
+              <a:defRPr sz="1800" kern="1200">
+                <a:solidFill>
+                  <a:schemeClr val="tx1"/>
+                </a:solidFill>
+                <a:latin typeface="+mn-lt"/>
+                <a:ea typeface="+mn-ea"/>
+                <a:cs typeface="+mn-cs"/>
+              </a:defRPr>
+            </a:lvl4pPr>
+            <a:lvl5pPr marL="1828800" algn="l" defTabSz="914400" rtl="0" eaLnBrk="1" latinLnBrk="1" hangingPunct="1">
+              <a:defRPr sz="1800" kern="1200">
+                <a:solidFill>
+                  <a:schemeClr val="tx1"/>
+                </a:solidFill>
+                <a:latin typeface="+mn-lt"/>
+                <a:ea typeface="+mn-ea"/>
+                <a:cs typeface="+mn-cs"/>
+              </a:defRPr>
+            </a:lvl5pPr>
+            <a:lvl6pPr marL="2286000" algn="l" defTabSz="914400" rtl="0" eaLnBrk="1" latinLnBrk="1" hangingPunct="1">
+              <a:defRPr sz="1800" kern="1200">
+                <a:solidFill>
+                  <a:schemeClr val="tx1"/>
+                </a:solidFill>
+                <a:latin typeface="+mn-lt"/>
+                <a:ea typeface="+mn-ea"/>
+                <a:cs typeface="+mn-cs"/>
+              </a:defRPr>
+            </a:lvl6pPr>
+            <a:lvl7pPr marL="2743200" algn="l" defTabSz="914400" rtl="0" eaLnBrk="1" latinLnBrk="1" hangingPunct="1">
+              <a:defRPr sz="1800" kern="1200">
+                <a:solidFill>
+                  <a:schemeClr val="tx1"/>
+                </a:solidFill>
+                <a:latin typeface="+mn-lt"/>
+                <a:ea typeface="+mn-ea"/>
+                <a:cs typeface="+mn-cs"/>
+              </a:defRPr>
+            </a:lvl7pPr>
+            <a:lvl8pPr marL="3200400" algn="l" defTabSz="914400" rtl="0" eaLnBrk="1" latinLnBrk="1" hangingPunct="1">
+              <a:defRPr sz="1800" kern="1200">
+                <a:solidFill>
+                  <a:schemeClr val="tx1"/>
+                </a:solidFill>
+                <a:latin typeface="+mn-lt"/>
+                <a:ea typeface="+mn-ea"/>
+                <a:cs typeface="+mn-cs"/>
+              </a:defRPr>
+            </a:lvl8pPr>
+            <a:lvl9pPr marL="3657600" algn="l" defTabSz="914400" rtl="0" eaLnBrk="1" latinLnBrk="1" hangingPunct="1">
+              <a:defRPr sz="1800" kern="1200">
+                <a:solidFill>
+                  <a:schemeClr val="tx1"/>
+                </a:solidFill>
+                <a:latin typeface="+mn-lt"/>
+                <a:ea typeface="+mn-ea"/>
+                <a:cs typeface="+mn-cs"/>
+              </a:defRPr>
+            </a:lvl9pPr>
+          </a:lstStyle>
+          <a:p>
+            <a:r>
+              <a:rPr lang="en-US" altLang="ko-KR" sz="1400" b="1" dirty="0">
+                <a:solidFill>
+                  <a:schemeClr val="bg1"/>
+                </a:solidFill>
+              </a:rPr>
+              <a:t>P544</a:t>
+            </a:r>
+          </a:p>
+        </p:txBody>
+      </p:sp>
     </p:spTree>
     <p:extLst>
       <p:ext uri="{BB962C8B-B14F-4D97-AF65-F5344CB8AC3E}">
@@ -10096,6 +11293,139 @@
           </a:prstGeom>
         </p:spPr>
       </p:pic>
+      <p:sp>
+        <p:nvSpPr>
+          <p:cNvPr id="7" name="TextBox 12">
+            <a:extLst>
+              <a:ext uri="{FF2B5EF4-FFF2-40B4-BE49-F238E27FC236}">
+                <a16:creationId xmlns:a16="http://schemas.microsoft.com/office/drawing/2014/main" id="{CDC7B76D-DB60-40E2-B35D-46EDCB3399FF}"/>
+              </a:ext>
+            </a:extLst>
+          </p:cNvPr>
+          <p:cNvSpPr txBox="1"/>
+          <p:nvPr/>
+        </p:nvSpPr>
+        <p:spPr>
+          <a:xfrm>
+            <a:off x="10598963" y="410360"/>
+            <a:ext cx="607859" cy="307777"/>
+          </a:xfrm>
+          <a:prstGeom prst="rect">
+            <a:avLst/>
+          </a:prstGeom>
+          <a:noFill/>
+        </p:spPr>
+        <p:txBody>
+          <a:bodyPr wrap="none" rtlCol="0">
+            <a:spAutoFit/>
+          </a:bodyPr>
+          <a:lstStyle>
+            <a:defPPr>
+              <a:defRPr lang="ko-KR"/>
+            </a:defPPr>
+            <a:lvl1pPr marL="0" algn="l" defTabSz="914400" rtl="0" eaLnBrk="1" latinLnBrk="1" hangingPunct="1">
+              <a:defRPr sz="1800" kern="1200">
+                <a:solidFill>
+                  <a:schemeClr val="tx1"/>
+                </a:solidFill>
+                <a:latin typeface="+mn-lt"/>
+                <a:ea typeface="+mn-ea"/>
+                <a:cs typeface="+mn-cs"/>
+              </a:defRPr>
+            </a:lvl1pPr>
+            <a:lvl2pPr marL="457200" algn="l" defTabSz="914400" rtl="0" eaLnBrk="1" latinLnBrk="1" hangingPunct="1">
+              <a:defRPr sz="1800" kern="1200">
+                <a:solidFill>
+                  <a:schemeClr val="tx1"/>
+                </a:solidFill>
+                <a:latin typeface="+mn-lt"/>
+                <a:ea typeface="+mn-ea"/>
+                <a:cs typeface="+mn-cs"/>
+              </a:defRPr>
+            </a:lvl2pPr>
+            <a:lvl3pPr marL="914400" algn="l" defTabSz="914400" rtl="0" eaLnBrk="1" latinLnBrk="1" hangingPunct="1">
+              <a:defRPr sz="1800" kern="1200">
+                <a:solidFill>
+                  <a:schemeClr val="tx1"/>
+                </a:solidFill>
+                <a:latin typeface="+mn-lt"/>
+                <a:ea typeface="+mn-ea"/>
+                <a:cs typeface="+mn-cs"/>
+              </a:defRPr>
+            </a:lvl3pPr>
+            <a:lvl4pPr marL="1371600" algn="l" defTabSz="914400" rtl="0" eaLnBrk="1" latinLnBrk="1" hangingPunct="1">
+              <a:defRPr sz="1800" kern="1200">
+                <a:solidFill>
+                  <a:schemeClr val="tx1"/>
+                </a:solidFill>
+                <a:latin typeface="+mn-lt"/>
+                <a:ea typeface="+mn-ea"/>
+                <a:cs typeface="+mn-cs"/>
+              </a:defRPr>
+            </a:lvl4pPr>
+            <a:lvl5pPr marL="1828800" algn="l" defTabSz="914400" rtl="0" eaLnBrk="1" latinLnBrk="1" hangingPunct="1">
+              <a:defRPr sz="1800" kern="1200">
+                <a:solidFill>
+                  <a:schemeClr val="tx1"/>
+                </a:solidFill>
+                <a:latin typeface="+mn-lt"/>
+                <a:ea typeface="+mn-ea"/>
+                <a:cs typeface="+mn-cs"/>
+              </a:defRPr>
+            </a:lvl5pPr>
+            <a:lvl6pPr marL="2286000" algn="l" defTabSz="914400" rtl="0" eaLnBrk="1" latinLnBrk="1" hangingPunct="1">
+              <a:defRPr sz="1800" kern="1200">
+                <a:solidFill>
+                  <a:schemeClr val="tx1"/>
+                </a:solidFill>
+                <a:latin typeface="+mn-lt"/>
+                <a:ea typeface="+mn-ea"/>
+                <a:cs typeface="+mn-cs"/>
+              </a:defRPr>
+            </a:lvl6pPr>
+            <a:lvl7pPr marL="2743200" algn="l" defTabSz="914400" rtl="0" eaLnBrk="1" latinLnBrk="1" hangingPunct="1">
+              <a:defRPr sz="1800" kern="1200">
+                <a:solidFill>
+                  <a:schemeClr val="tx1"/>
+                </a:solidFill>
+                <a:latin typeface="+mn-lt"/>
+                <a:ea typeface="+mn-ea"/>
+                <a:cs typeface="+mn-cs"/>
+              </a:defRPr>
+            </a:lvl7pPr>
+            <a:lvl8pPr marL="3200400" algn="l" defTabSz="914400" rtl="0" eaLnBrk="1" latinLnBrk="1" hangingPunct="1">
+              <a:defRPr sz="1800" kern="1200">
+                <a:solidFill>
+                  <a:schemeClr val="tx1"/>
+                </a:solidFill>
+                <a:latin typeface="+mn-lt"/>
+                <a:ea typeface="+mn-ea"/>
+                <a:cs typeface="+mn-cs"/>
+              </a:defRPr>
+            </a:lvl8pPr>
+            <a:lvl9pPr marL="3657600" algn="l" defTabSz="914400" rtl="0" eaLnBrk="1" latinLnBrk="1" hangingPunct="1">
+              <a:defRPr sz="1800" kern="1200">
+                <a:solidFill>
+                  <a:schemeClr val="tx1"/>
+                </a:solidFill>
+                <a:latin typeface="+mn-lt"/>
+                <a:ea typeface="+mn-ea"/>
+                <a:cs typeface="+mn-cs"/>
+              </a:defRPr>
+            </a:lvl9pPr>
+          </a:lstStyle>
+          <a:p>
+            <a:r>
+              <a:rPr lang="en-US" altLang="ko-KR" sz="1400" b="1" dirty="0">
+                <a:solidFill>
+                  <a:schemeClr val="bg1"/>
+                </a:solidFill>
+              </a:rPr>
+              <a:t>P546</a:t>
+            </a:r>
+          </a:p>
+        </p:txBody>
+      </p:sp>
     </p:spTree>
     <p:extLst>
       <p:ext uri="{BB962C8B-B14F-4D97-AF65-F5344CB8AC3E}">
